--- a/term_project/Executive Summary.pptx
+++ b/term_project/Executive Summary.pptx
@@ -12,12 +12,12 @@
   </p:handoutMasterIdLst>
   <p:sldIdLst>
     <p:sldId id="256" r:id="rId5"/>
-    <p:sldId id="277" r:id="rId6"/>
+    <p:sldId id="288" r:id="rId6"/>
     <p:sldId id="286" r:id="rId7"/>
     <p:sldId id="262" r:id="rId8"/>
     <p:sldId id="287" r:id="rId9"/>
-    <p:sldId id="288" r:id="rId10"/>
-    <p:sldId id="289" r:id="rId11"/>
+    <p:sldId id="289" r:id="rId10"/>
+    <p:sldId id="277" r:id="rId11"/>
     <p:sldId id="276" r:id="rId12"/>
   </p:sldIdLst>
   <p:sldSz cx="12192000" cy="6858000"/>
@@ -250,7 +250,7 @@
           <a:p>
             <a:fld id="{058ABBF3-49A8-4B3F-9773-22E67695BB12}" type="datetimeFigureOut">
               <a:rPr lang="en-US" smtClean="0"/>
-              <a:t>10/7/2021</a:t>
+              <a:t>10/9/2021</a:t>
             </a:fld>
             <a:endParaRPr lang="en-US" dirty="0"/>
           </a:p>
@@ -427,7 +427,7 @@
           <a:p>
             <a:fld id="{F44AAC2B-A50D-4386-849A-6B59FB991B4C}" type="datetimeFigureOut">
               <a:rPr lang="en-US" smtClean="0"/>
-              <a:t>10/7/2021</a:t>
+              <a:t>10/9/2021</a:t>
             </a:fld>
             <a:endParaRPr lang="en-US" dirty="0"/>
           </a:p>
@@ -50764,83 +50764,10 @@
       </p:grpSpPr>
       <p:sp>
         <p:nvSpPr>
-          <p:cNvPr id="2" name="Title 1">
+          <p:cNvPr id="11" name="Date Placeholder 10">
             <a:extLst>
               <a:ext uri="{FF2B5EF4-FFF2-40B4-BE49-F238E27FC236}">
-                <a16:creationId xmlns:a16="http://schemas.microsoft.com/office/drawing/2014/main" id="{6719F29B-F233-48AF-8261-F33A4E079E3E}"/>
-              </a:ext>
-            </a:extLst>
-          </p:cNvPr>
-          <p:cNvSpPr>
-            <a:spLocks noGrp="1"/>
-          </p:cNvSpPr>
-          <p:nvPr>
-            <p:ph type="title"/>
-          </p:nvPr>
-        </p:nvSpPr>
-        <p:spPr>
-          <a:xfrm>
-            <a:off x="4933950" y="898524"/>
-            <a:ext cx="6343650" cy="1325880"/>
-          </a:xfrm>
-        </p:spPr>
-        <p:txBody>
-          <a:bodyPr>
-            <a:normAutofit/>
-          </a:bodyPr>
-          <a:lstStyle/>
-          <a:p>
-            <a:r>
-              <a:rPr lang="en-ZA" dirty="0"/>
-              <a:t>ABOUT US</a:t>
-            </a:r>
-          </a:p>
-        </p:txBody>
-      </p:sp>
-      <p:sp>
-        <p:nvSpPr>
-          <p:cNvPr id="3" name="Subtitle 2">
-            <a:extLst>
-              <a:ext uri="{FF2B5EF4-FFF2-40B4-BE49-F238E27FC236}">
-                <a16:creationId xmlns:a16="http://schemas.microsoft.com/office/drawing/2014/main" id="{35E3EA69-4E0E-41BD-8095-A124225A2647}"/>
-              </a:ext>
-            </a:extLst>
-          </p:cNvPr>
-          <p:cNvSpPr>
-            <a:spLocks noGrp="1"/>
-          </p:cNvSpPr>
-          <p:nvPr>
-            <p:ph type="body" sz="quarter" idx="13"/>
-          </p:nvPr>
-        </p:nvSpPr>
-        <p:spPr>
-          <a:xfrm>
-            <a:off x="4933949" y="2310817"/>
-            <a:ext cx="6400800" cy="3657600"/>
-          </a:xfrm>
-        </p:spPr>
-        <p:txBody>
-          <a:bodyPr>
-            <a:normAutofit/>
-          </a:bodyPr>
-          <a:lstStyle/>
-          <a:p>
-            <a:r>
-              <a:rPr lang="en-US" dirty="0"/>
-              <a:t>At Contoso, we empower organizations to foster collaborative thinking to further drive workplace innovation. By closing the loop and leveraging agile frameworks, we help business grow organically and foster a consumer-first mindset.</a:t>
-            </a:r>
-          </a:p>
-          <a:p>
-            <a:endParaRPr lang="en-US" dirty="0"/>
-          </a:p>
-        </p:txBody>
-      </p:sp>
-      <p:sp>
-        <p:nvSpPr>
-          <p:cNvPr id="36" name="Date Placeholder 35">
-            <a:extLst>
-              <a:ext uri="{FF2B5EF4-FFF2-40B4-BE49-F238E27FC236}">
-                <a16:creationId xmlns:a16="http://schemas.microsoft.com/office/drawing/2014/main" id="{64D06C77-08BF-4ABC-8656-21CAB4DFD7FA}"/>
+                <a16:creationId xmlns:a16="http://schemas.microsoft.com/office/drawing/2014/main" id="{FC0A00D0-5AA4-4EB6-B0BB-09728BA42BF0}"/>
               </a:ext>
             </a:extLst>
           </p:cNvPr>
@@ -50853,14 +50780,21 @@
         </p:nvSpPr>
         <p:spPr>
           <a:xfrm>
-            <a:off x="4937760" y="6353175"/>
-            <a:ext cx="1097280" cy="365125"/>
+            <a:off x="914400" y="6353175"/>
+            <a:ext cx="572063" cy="365125"/>
           </a:xfrm>
         </p:spPr>
         <p:txBody>
-          <a:bodyPr/>
+          <a:bodyPr anchor="ctr">
+            <a:normAutofit/>
+          </a:bodyPr>
           <a:lstStyle/>
           <a:p>
+            <a:pPr>
+              <a:spcAft>
+                <a:spcPts val="600"/>
+              </a:spcAft>
+            </a:pPr>
             <a:r>
               <a:rPr lang="en-US" dirty="0"/>
               <a:t>2021</a:t>
@@ -50870,10 +50804,10 @@
       </p:sp>
       <p:sp>
         <p:nvSpPr>
-          <p:cNvPr id="37" name="Footer Placeholder 36">
+          <p:cNvPr id="12" name="Footer Placeholder 11">
             <a:extLst>
               <a:ext uri="{FF2B5EF4-FFF2-40B4-BE49-F238E27FC236}">
-                <a16:creationId xmlns:a16="http://schemas.microsoft.com/office/drawing/2014/main" id="{5FA84566-6373-4E7B-AA6F-CA6C7346EC47}"/>
+                <a16:creationId xmlns:a16="http://schemas.microsoft.com/office/drawing/2014/main" id="{609F749A-079A-4C77-B36B-B6812BF0BF37}"/>
               </a:ext>
             </a:extLst>
           </p:cNvPr>
@@ -50886,27 +50820,34 @@
         </p:nvSpPr>
         <p:spPr>
           <a:xfrm>
-            <a:off x="7436167" y="6350000"/>
+            <a:off x="5424488" y="6350000"/>
             <a:ext cx="2286000" cy="365125"/>
           </a:xfrm>
         </p:spPr>
         <p:txBody>
-          <a:bodyPr/>
+          <a:bodyPr anchor="ctr">
+            <a:normAutofit/>
+          </a:bodyPr>
           <a:lstStyle/>
           <a:p>
+            <a:pPr>
+              <a:spcAft>
+                <a:spcPts val="600"/>
+              </a:spcAft>
+            </a:pPr>
             <a:r>
               <a:rPr lang="en-US" dirty="0"/>
-              <a:t>Executive Summary</a:t>
+              <a:t>Execute Summary</a:t>
             </a:r>
           </a:p>
         </p:txBody>
       </p:sp>
       <p:sp>
         <p:nvSpPr>
-          <p:cNvPr id="38" name="Slide Number Placeholder 37">
+          <p:cNvPr id="13" name="Slide Number Placeholder 12">
             <a:extLst>
               <a:ext uri="{FF2B5EF4-FFF2-40B4-BE49-F238E27FC236}">
-                <a16:creationId xmlns:a16="http://schemas.microsoft.com/office/drawing/2014/main" id="{198D92D2-0F62-443D-BB2D-F4E23724D76F}"/>
+                <a16:creationId xmlns:a16="http://schemas.microsoft.com/office/drawing/2014/main" id="{228C63C9-F187-422F-A7A3-6D93036269A8}"/>
               </a:ext>
             </a:extLst>
           </p:cNvPr>
@@ -50924,22 +50865,147 @@
           </a:xfrm>
         </p:spPr>
         <p:txBody>
-          <a:bodyPr/>
+          <a:bodyPr anchor="ctr">
+            <a:normAutofit/>
+          </a:bodyPr>
           <a:lstStyle/>
           <a:p>
+            <a:pPr>
+              <a:spcAft>
+                <a:spcPts val="600"/>
+              </a:spcAft>
+            </a:pPr>
             <a:fld id="{B5CEABB6-07DC-46E8-9B57-56EC44A396E5}" type="slidenum">
               <a:rPr lang="en-US" smtClean="0"/>
-              <a:pPr/>
+              <a:pPr>
+                <a:spcAft>
+                  <a:spcPts val="600"/>
+                </a:spcAft>
+              </a:pPr>
               <a:t>2</a:t>
             </a:fld>
-            <a:endParaRPr lang="en-US" dirty="0"/>
+            <a:endParaRPr lang="en-US"/>
+          </a:p>
+        </p:txBody>
+      </p:sp>
+      <p:pic>
+        <p:nvPicPr>
+          <p:cNvPr id="3" name="Picture 2">
+            <a:extLst>
+              <a:ext uri="{FF2B5EF4-FFF2-40B4-BE49-F238E27FC236}">
+                <a16:creationId xmlns:a16="http://schemas.microsoft.com/office/drawing/2014/main" id="{78ED8EF0-D376-4241-A221-C9A3E3A61E32}"/>
+              </a:ext>
+            </a:extLst>
+          </p:cNvPr>
+          <p:cNvPicPr>
+            <a:picLocks noChangeAspect="1"/>
+          </p:cNvPicPr>
+          <p:nvPr/>
+        </p:nvPicPr>
+        <p:blipFill>
+          <a:blip r:embed="rId2"/>
+          <a:stretch>
+            <a:fillRect/>
+          </a:stretch>
+        </p:blipFill>
+        <p:spPr>
+          <a:xfrm>
+            <a:off x="252251" y="976402"/>
+            <a:ext cx="7701908" cy="5068548"/>
+          </a:xfrm>
+          <a:prstGeom prst="rect">
+            <a:avLst/>
+          </a:prstGeom>
+        </p:spPr>
+      </p:pic>
+      <p:sp>
+        <p:nvSpPr>
+          <p:cNvPr id="4" name="TextBox 3">
+            <a:extLst>
+              <a:ext uri="{FF2B5EF4-FFF2-40B4-BE49-F238E27FC236}">
+                <a16:creationId xmlns:a16="http://schemas.microsoft.com/office/drawing/2014/main" id="{CE2B49AA-6B21-46C7-90F8-299832B4ED33}"/>
+              </a:ext>
+            </a:extLst>
+          </p:cNvPr>
+          <p:cNvSpPr txBox="1"/>
+          <p:nvPr/>
+        </p:nvSpPr>
+        <p:spPr>
+          <a:xfrm>
+            <a:off x="315310" y="310806"/>
+            <a:ext cx="4959382" cy="369332"/>
+          </a:xfrm>
+          <a:prstGeom prst="rect">
+            <a:avLst/>
+          </a:prstGeom>
+          <a:noFill/>
+        </p:spPr>
+        <p:txBody>
+          <a:bodyPr wrap="square" rtlCol="0">
+            <a:spAutoFit/>
+          </a:bodyPr>
+          <a:lstStyle/>
+          <a:p>
+            <a:r>
+              <a:rPr lang="en-US" dirty="0"/>
+              <a:t>Declining Trend of Airlines Fatality</a:t>
+            </a:r>
+          </a:p>
+        </p:txBody>
+      </p:sp>
+      <p:sp>
+        <p:nvSpPr>
+          <p:cNvPr id="5" name="TextBox 4">
+            <a:extLst>
+              <a:ext uri="{FF2B5EF4-FFF2-40B4-BE49-F238E27FC236}">
+                <a16:creationId xmlns:a16="http://schemas.microsoft.com/office/drawing/2014/main" id="{B1E832D5-00CD-43EC-9E93-AF28B3EF848B}"/>
+              </a:ext>
+            </a:extLst>
+          </p:cNvPr>
+          <p:cNvSpPr txBox="1"/>
+          <p:nvPr/>
+        </p:nvSpPr>
+        <p:spPr>
+          <a:xfrm>
+            <a:off x="8468335" y="1058542"/>
+            <a:ext cx="3265714" cy="1323439"/>
+          </a:xfrm>
+          <a:prstGeom prst="rect">
+            <a:avLst/>
+          </a:prstGeom>
+          <a:noFill/>
+        </p:spPr>
+        <p:txBody>
+          <a:bodyPr wrap="square" rtlCol="0">
+            <a:spAutoFit/>
+          </a:bodyPr>
+          <a:lstStyle/>
+          <a:p>
+            <a:pPr marL="285750" indent="-285750">
+              <a:buFont typeface="Arial" panose="020B0604020202020204" pitchFamily="34" charset="0"/>
+              <a:buChar char="•"/>
+            </a:pPr>
+            <a:r>
+              <a:rPr lang="en-US" sz="1600" dirty="0"/>
+              <a:t>Period under consideration is 1993-2016</a:t>
+            </a:r>
+          </a:p>
+          <a:p>
+            <a:pPr marL="285750" indent="-285750">
+              <a:buFont typeface="Arial" panose="020B0604020202020204" pitchFamily="34" charset="0"/>
+              <a:buChar char="•"/>
+            </a:pPr>
+            <a:r>
+              <a:rPr lang="en-US" sz="1600" dirty="0"/>
+              <a:t>With few exceptions we see a general trend of declining fatality across all airlines</a:t>
+            </a:r>
           </a:p>
         </p:txBody>
       </p:sp>
     </p:spTree>
     <p:extLst>
       <p:ext uri="{BB962C8B-B14F-4D97-AF65-F5344CB8AC3E}">
-        <p14:creationId xmlns:p14="http://schemas.microsoft.com/office/powerpoint/2010/main" val="2243494996"/>
+        <p14:creationId xmlns:p14="http://schemas.microsoft.com/office/powerpoint/2010/main" val="2975157022"/>
       </p:ext>
     </p:extLst>
   </p:cSld>
@@ -50968,156 +51034,6 @@
       </p:grpSpPr>
       <p:sp>
         <p:nvSpPr>
-          <p:cNvPr id="46" name="Title 1">
-            <a:extLst>
-              <a:ext uri="{FF2B5EF4-FFF2-40B4-BE49-F238E27FC236}">
-                <a16:creationId xmlns:a16="http://schemas.microsoft.com/office/drawing/2014/main" id="{424DEA45-980A-4B06-90DC-2C0B40597796}"/>
-              </a:ext>
-            </a:extLst>
-          </p:cNvPr>
-          <p:cNvSpPr>
-            <a:spLocks noGrp="1"/>
-          </p:cNvSpPr>
-          <p:nvPr>
-            <p:ph type="title"/>
-          </p:nvPr>
-        </p:nvSpPr>
-        <p:spPr>
-          <a:xfrm>
-            <a:off x="914400" y="896112"/>
-            <a:ext cx="9124951" cy="1362456"/>
-          </a:xfrm>
-        </p:spPr>
-        <p:txBody>
-          <a:bodyPr/>
-          <a:lstStyle/>
-          <a:p>
-            <a:endParaRPr lang="en-US"/>
-          </a:p>
-        </p:txBody>
-      </p:sp>
-      <p:sp>
-        <p:nvSpPr>
-          <p:cNvPr id="48" name="Text Placeholder 2">
-            <a:extLst>
-              <a:ext uri="{FF2B5EF4-FFF2-40B4-BE49-F238E27FC236}">
-                <a16:creationId xmlns:a16="http://schemas.microsoft.com/office/drawing/2014/main" id="{C716F713-C1AC-42D7-BED7-14488175FA36}"/>
-              </a:ext>
-            </a:extLst>
-          </p:cNvPr>
-          <p:cNvSpPr>
-            <a:spLocks noGrp="1"/>
-          </p:cNvSpPr>
-          <p:nvPr>
-            <p:ph type="body" idx="13"/>
-          </p:nvPr>
-        </p:nvSpPr>
-        <p:spPr>
-          <a:xfrm>
-            <a:off x="914400" y="2354580"/>
-            <a:ext cx="4297679" cy="455295"/>
-          </a:xfrm>
-        </p:spPr>
-        <p:txBody>
-          <a:bodyPr/>
-          <a:lstStyle/>
-          <a:p>
-            <a:endParaRPr lang="en-US"/>
-          </a:p>
-        </p:txBody>
-      </p:sp>
-      <p:pic>
-        <p:nvPicPr>
-          <p:cNvPr id="39" name="Picture 38">
-            <a:extLst>
-              <a:ext uri="{FF2B5EF4-FFF2-40B4-BE49-F238E27FC236}">
-                <a16:creationId xmlns:a16="http://schemas.microsoft.com/office/drawing/2014/main" id="{6562B078-EB6E-464A-A5CE-C072B64B7AAF}"/>
-              </a:ext>
-            </a:extLst>
-          </p:cNvPr>
-          <p:cNvPicPr>
-            <a:picLocks noChangeAspect="1"/>
-          </p:cNvPicPr>
-          <p:nvPr/>
-        </p:nvPicPr>
-        <p:blipFill rotWithShape="1">
-          <a:blip r:embed="rId2"/>
-          <a:srcRect l="4682" r="6043" b="-4"/>
-          <a:stretch/>
-        </p:blipFill>
-        <p:spPr>
-          <a:xfrm>
-            <a:off x="914400" y="2990850"/>
-            <a:ext cx="4297680" cy="3105150"/>
-          </a:xfrm>
-          <a:prstGeom prst="rect">
-            <a:avLst/>
-          </a:prstGeom>
-          <a:noFill/>
-        </p:spPr>
-      </p:pic>
-      <p:sp>
-        <p:nvSpPr>
-          <p:cNvPr id="50" name="Text Placeholder 4">
-            <a:extLst>
-              <a:ext uri="{FF2B5EF4-FFF2-40B4-BE49-F238E27FC236}">
-                <a16:creationId xmlns:a16="http://schemas.microsoft.com/office/drawing/2014/main" id="{D8B8E063-531E-4ADE-B0F5-7E5B9DE95D80}"/>
-              </a:ext>
-            </a:extLst>
-          </p:cNvPr>
-          <p:cNvSpPr>
-            <a:spLocks noGrp="1"/>
-          </p:cNvSpPr>
-          <p:nvPr>
-            <p:ph type="body" sz="quarter" idx="3"/>
-          </p:nvPr>
-        </p:nvSpPr>
-        <p:spPr>
-          <a:xfrm>
-            <a:off x="5864487" y="2352675"/>
-            <a:ext cx="4297680" cy="457200"/>
-          </a:xfrm>
-        </p:spPr>
-        <p:txBody>
-          <a:bodyPr/>
-          <a:lstStyle/>
-          <a:p>
-            <a:endParaRPr lang="en-US"/>
-          </a:p>
-        </p:txBody>
-      </p:sp>
-      <p:pic>
-        <p:nvPicPr>
-          <p:cNvPr id="41" name="Picture 40">
-            <a:extLst>
-              <a:ext uri="{FF2B5EF4-FFF2-40B4-BE49-F238E27FC236}">
-                <a16:creationId xmlns:a16="http://schemas.microsoft.com/office/drawing/2014/main" id="{028E6A64-065C-412D-947F-2BE9C1F8AE1D}"/>
-              </a:ext>
-            </a:extLst>
-          </p:cNvPr>
-          <p:cNvPicPr>
-            <a:picLocks noChangeAspect="1"/>
-          </p:cNvPicPr>
-          <p:nvPr/>
-        </p:nvPicPr>
-        <p:blipFill rotWithShape="1">
-          <a:blip r:embed="rId3"/>
-          <a:srcRect l="26748" r="30347" b="2"/>
-          <a:stretch/>
-        </p:blipFill>
-        <p:spPr>
-          <a:xfrm>
-            <a:off x="5863344" y="2990850"/>
-            <a:ext cx="4297680" cy="3105150"/>
-          </a:xfrm>
-          <a:prstGeom prst="rect">
-            <a:avLst/>
-          </a:prstGeom>
-          <a:noFill/>
-        </p:spPr>
-      </p:pic>
-      <p:sp>
-        <p:nvSpPr>
           <p:cNvPr id="8" name="Date Placeholder 7">
             <a:extLst>
               <a:ext uri="{FF2B5EF4-FFF2-40B4-BE49-F238E27FC236}">
@@ -51135,7 +51051,7 @@
         <p:spPr>
           <a:xfrm>
             <a:off x="914400" y="6353175"/>
-            <a:ext cx="1097280" cy="365125"/>
+            <a:ext cx="495488" cy="365125"/>
           </a:xfrm>
         </p:spPr>
         <p:txBody>
@@ -51151,9 +51067,8 @@
             </a:pPr>
             <a:r>
               <a:rPr lang="en-US" dirty="0"/>
-              <a:t>20XX</a:t>
+              <a:t>2021</a:t>
             </a:r>
-            <a:endParaRPr lang="en-US"/>
           </a:p>
         </p:txBody>
       </p:sp>
@@ -51192,9 +51107,8 @@
             </a:pPr>
             <a:r>
               <a:rPr lang="en-US" dirty="0"/>
-              <a:t>Pitch deck title</a:t>
+              <a:t>Execute Summary</a:t>
             </a:r>
-            <a:endParaRPr lang="en-US"/>
           </a:p>
         </p:txBody>
       </p:sp>
@@ -51244,6 +51158,130 @@
           </a:p>
         </p:txBody>
       </p:sp>
+      <p:pic>
+        <p:nvPicPr>
+          <p:cNvPr id="3" name="Picture 2">
+            <a:extLst>
+              <a:ext uri="{FF2B5EF4-FFF2-40B4-BE49-F238E27FC236}">
+                <a16:creationId xmlns:a16="http://schemas.microsoft.com/office/drawing/2014/main" id="{3223BFAB-C2C2-49FD-8A15-189AB6E0BDA6}"/>
+              </a:ext>
+            </a:extLst>
+          </p:cNvPr>
+          <p:cNvPicPr>
+            <a:picLocks noChangeAspect="1"/>
+          </p:cNvPicPr>
+          <p:nvPr/>
+        </p:nvPicPr>
+        <p:blipFill>
+          <a:blip r:embed="rId2"/>
+          <a:stretch>
+            <a:fillRect/>
+          </a:stretch>
+        </p:blipFill>
+        <p:spPr>
+          <a:xfrm>
+            <a:off x="387380" y="1138989"/>
+            <a:ext cx="8067441" cy="5025374"/>
+          </a:xfrm>
+          <a:prstGeom prst="rect">
+            <a:avLst/>
+          </a:prstGeom>
+        </p:spPr>
+      </p:pic>
+      <p:sp>
+        <p:nvSpPr>
+          <p:cNvPr id="14" name="TextBox 13">
+            <a:extLst>
+              <a:ext uri="{FF2B5EF4-FFF2-40B4-BE49-F238E27FC236}">
+                <a16:creationId xmlns:a16="http://schemas.microsoft.com/office/drawing/2014/main" id="{E1535678-2929-4555-A9DD-C497F37218E7}"/>
+              </a:ext>
+            </a:extLst>
+          </p:cNvPr>
+          <p:cNvSpPr txBox="1"/>
+          <p:nvPr/>
+        </p:nvSpPr>
+        <p:spPr>
+          <a:xfrm>
+            <a:off x="315310" y="310806"/>
+            <a:ext cx="3259163" cy="369332"/>
+          </a:xfrm>
+          <a:prstGeom prst="rect">
+            <a:avLst/>
+          </a:prstGeom>
+          <a:noFill/>
+        </p:spPr>
+        <p:txBody>
+          <a:bodyPr wrap="square" rtlCol="0">
+            <a:spAutoFit/>
+          </a:bodyPr>
+          <a:lstStyle/>
+          <a:p>
+            <a:r>
+              <a:rPr lang="en-US" dirty="0"/>
+              <a:t>Fatality Trend Among Drivers </a:t>
+            </a:r>
+          </a:p>
+        </p:txBody>
+      </p:sp>
+      <p:sp>
+        <p:nvSpPr>
+          <p:cNvPr id="16" name="TextBox 15">
+            <a:extLst>
+              <a:ext uri="{FF2B5EF4-FFF2-40B4-BE49-F238E27FC236}">
+                <a16:creationId xmlns:a16="http://schemas.microsoft.com/office/drawing/2014/main" id="{50D02A54-6E7F-4A04-899B-589A3212B3B4}"/>
+              </a:ext>
+            </a:extLst>
+          </p:cNvPr>
+          <p:cNvSpPr txBox="1"/>
+          <p:nvPr/>
+        </p:nvSpPr>
+        <p:spPr>
+          <a:xfrm>
+            <a:off x="8671991" y="1299603"/>
+            <a:ext cx="3265714" cy="2062103"/>
+          </a:xfrm>
+          <a:prstGeom prst="rect">
+            <a:avLst/>
+          </a:prstGeom>
+          <a:noFill/>
+        </p:spPr>
+        <p:txBody>
+          <a:bodyPr wrap="square" rtlCol="0">
+            <a:spAutoFit/>
+          </a:bodyPr>
+          <a:lstStyle/>
+          <a:p>
+            <a:pPr marL="285750" indent="-285750">
+              <a:buFont typeface="Arial" panose="020B0604020202020204" pitchFamily="34" charset="0"/>
+              <a:buChar char="•"/>
+            </a:pPr>
+            <a:r>
+              <a:rPr lang="en-US" sz="1600" dirty="0"/>
+              <a:t>Period under consideration is 1994-2019</a:t>
+            </a:r>
+          </a:p>
+          <a:p>
+            <a:pPr marL="285750" indent="-285750">
+              <a:buFont typeface="Arial" panose="020B0604020202020204" pitchFamily="34" charset="0"/>
+              <a:buChar char="•"/>
+            </a:pPr>
+            <a:r>
+              <a:rPr lang="en-US" sz="1600" dirty="0"/>
+              <a:t>The fatality trend remains almost the same across the years </a:t>
+            </a:r>
+          </a:p>
+          <a:p>
+            <a:pPr marL="285750" indent="-285750">
+              <a:buFont typeface="Arial" panose="020B0604020202020204" pitchFamily="34" charset="0"/>
+              <a:buChar char="•"/>
+            </a:pPr>
+            <a:r>
+              <a:rPr lang="en-US" sz="1600" dirty="0"/>
+              <a:t>Road fatalities as percent of licensed drivers are quite high</a:t>
+            </a:r>
+          </a:p>
+        </p:txBody>
+      </p:sp>
     </p:spTree>
     <p:extLst>
       <p:ext uri="{BB962C8B-B14F-4D97-AF65-F5344CB8AC3E}">
@@ -51274,67 +51312,6 @@
           <a:chExt cx="0" cy="0"/>
         </a:xfrm>
       </p:grpSpPr>
-      <p:sp>
-        <p:nvSpPr>
-          <p:cNvPr id="31" name="Title 1">
-            <a:extLst>
-              <a:ext uri="{FF2B5EF4-FFF2-40B4-BE49-F238E27FC236}">
-                <a16:creationId xmlns:a16="http://schemas.microsoft.com/office/drawing/2014/main" id="{0164197A-DA7B-4E88-B33F-9E2B110986EF}"/>
-              </a:ext>
-            </a:extLst>
-          </p:cNvPr>
-          <p:cNvSpPr>
-            <a:spLocks noGrp="1"/>
-          </p:cNvSpPr>
-          <p:nvPr>
-            <p:ph type="title"/>
-          </p:nvPr>
-        </p:nvSpPr>
-        <p:spPr>
-          <a:xfrm>
-            <a:off x="914400" y="896112"/>
-            <a:ext cx="10515600" cy="1325563"/>
-          </a:xfrm>
-        </p:spPr>
-        <p:txBody>
-          <a:bodyPr/>
-          <a:lstStyle/>
-          <a:p>
-            <a:endParaRPr lang="en-US"/>
-          </a:p>
-        </p:txBody>
-      </p:sp>
-      <p:pic>
-        <p:nvPicPr>
-          <p:cNvPr id="26" name="Picture 25">
-            <a:extLst>
-              <a:ext uri="{FF2B5EF4-FFF2-40B4-BE49-F238E27FC236}">
-                <a16:creationId xmlns:a16="http://schemas.microsoft.com/office/drawing/2014/main" id="{304A4B5A-99E2-4C1B-8EFA-CC0C3A03ACCC}"/>
-              </a:ext>
-            </a:extLst>
-          </p:cNvPr>
-          <p:cNvPicPr>
-            <a:picLocks noChangeAspect="1"/>
-          </p:cNvPicPr>
-          <p:nvPr/>
-        </p:nvPicPr>
-        <p:blipFill>
-          <a:blip r:embed="rId2"/>
-          <a:stretch>
-            <a:fillRect/>
-          </a:stretch>
-        </p:blipFill>
-        <p:spPr>
-          <a:xfrm>
-            <a:off x="2783829" y="1825625"/>
-            <a:ext cx="6990101" cy="4351338"/>
-          </a:xfrm>
-          <a:prstGeom prst="rect">
-            <a:avLst/>
-          </a:prstGeom>
-          <a:noFill/>
-        </p:spPr>
-      </p:pic>
       <p:sp>
         <p:nvSpPr>
           <p:cNvPr id="4" name="Date Placeholder 3">
@@ -51715,222 +51692,6 @@
           <p:cNvPr id="20" name="Title 1">
             <a:extLst>
               <a:ext uri="{FF2B5EF4-FFF2-40B4-BE49-F238E27FC236}">
-                <a16:creationId xmlns:a16="http://schemas.microsoft.com/office/drawing/2014/main" id="{99CE9287-8B5B-4461-9B6F-744FC40D121D}"/>
-              </a:ext>
-            </a:extLst>
-          </p:cNvPr>
-          <p:cNvSpPr>
-            <a:spLocks noGrp="1"/>
-          </p:cNvSpPr>
-          <p:nvPr>
-            <p:ph type="title"/>
-          </p:nvPr>
-        </p:nvSpPr>
-        <p:spPr>
-          <a:xfrm>
-            <a:off x="914400" y="896112"/>
-            <a:ext cx="10515600" cy="1325563"/>
-          </a:xfrm>
-        </p:spPr>
-        <p:txBody>
-          <a:bodyPr/>
-          <a:lstStyle/>
-          <a:p>
-            <a:endParaRPr lang="en-US"/>
-          </a:p>
-        </p:txBody>
-      </p:sp>
-      <p:pic>
-        <p:nvPicPr>
-          <p:cNvPr id="15" name="Picture 14">
-            <a:extLst>
-              <a:ext uri="{FF2B5EF4-FFF2-40B4-BE49-F238E27FC236}">
-                <a16:creationId xmlns:a16="http://schemas.microsoft.com/office/drawing/2014/main" id="{811524A9-7443-4285-8A8A-D2BB369BD3DA}"/>
-              </a:ext>
-            </a:extLst>
-          </p:cNvPr>
-          <p:cNvPicPr>
-            <a:picLocks noChangeAspect="1"/>
-          </p:cNvPicPr>
-          <p:nvPr/>
-        </p:nvPicPr>
-        <p:blipFill rotWithShape="1">
-          <a:blip r:embed="rId2"/>
-          <a:srcRect t="12492" b="10522"/>
-          <a:stretch/>
-        </p:blipFill>
-        <p:spPr>
-          <a:xfrm>
-            <a:off x="1021080" y="1825625"/>
-            <a:ext cx="10515600" cy="4351338"/>
-          </a:xfrm>
-          <a:prstGeom prst="rect">
-            <a:avLst/>
-          </a:prstGeom>
-          <a:noFill/>
-        </p:spPr>
-      </p:pic>
-      <p:sp>
-        <p:nvSpPr>
-          <p:cNvPr id="11" name="Date Placeholder 10">
-            <a:extLst>
-              <a:ext uri="{FF2B5EF4-FFF2-40B4-BE49-F238E27FC236}">
-                <a16:creationId xmlns:a16="http://schemas.microsoft.com/office/drawing/2014/main" id="{FC0A00D0-5AA4-4EB6-B0BB-09728BA42BF0}"/>
-              </a:ext>
-            </a:extLst>
-          </p:cNvPr>
-          <p:cNvSpPr>
-            <a:spLocks noGrp="1"/>
-          </p:cNvSpPr>
-          <p:nvPr>
-            <p:ph type="dt" sz="half" idx="10"/>
-          </p:nvPr>
-        </p:nvSpPr>
-        <p:spPr>
-          <a:xfrm>
-            <a:off x="914400" y="6353175"/>
-            <a:ext cx="1097280" cy="365125"/>
-          </a:xfrm>
-        </p:spPr>
-        <p:txBody>
-          <a:bodyPr anchor="ctr">
-            <a:normAutofit/>
-          </a:bodyPr>
-          <a:lstStyle/>
-          <a:p>
-            <a:pPr>
-              <a:spcAft>
-                <a:spcPts val="600"/>
-              </a:spcAft>
-            </a:pPr>
-            <a:r>
-              <a:rPr lang="en-US"/>
-              <a:t>20XX</a:t>
-            </a:r>
-          </a:p>
-        </p:txBody>
-      </p:sp>
-      <p:sp>
-        <p:nvSpPr>
-          <p:cNvPr id="12" name="Footer Placeholder 11">
-            <a:extLst>
-              <a:ext uri="{FF2B5EF4-FFF2-40B4-BE49-F238E27FC236}">
-                <a16:creationId xmlns:a16="http://schemas.microsoft.com/office/drawing/2014/main" id="{609F749A-079A-4C77-B36B-B6812BF0BF37}"/>
-              </a:ext>
-            </a:extLst>
-          </p:cNvPr>
-          <p:cNvSpPr>
-            <a:spLocks noGrp="1"/>
-          </p:cNvSpPr>
-          <p:nvPr>
-            <p:ph type="ftr" sz="quarter" idx="11"/>
-          </p:nvPr>
-        </p:nvSpPr>
-        <p:spPr>
-          <a:xfrm>
-            <a:off x="5424488" y="6350000"/>
-            <a:ext cx="2286000" cy="365125"/>
-          </a:xfrm>
-        </p:spPr>
-        <p:txBody>
-          <a:bodyPr anchor="ctr">
-            <a:normAutofit/>
-          </a:bodyPr>
-          <a:lstStyle/>
-          <a:p>
-            <a:pPr>
-              <a:spcAft>
-                <a:spcPts val="600"/>
-              </a:spcAft>
-            </a:pPr>
-            <a:r>
-              <a:rPr lang="en-US"/>
-              <a:t>Pitch deck title</a:t>
-            </a:r>
-          </a:p>
-        </p:txBody>
-      </p:sp>
-      <p:sp>
-        <p:nvSpPr>
-          <p:cNvPr id="13" name="Slide Number Placeholder 12">
-            <a:extLst>
-              <a:ext uri="{FF2B5EF4-FFF2-40B4-BE49-F238E27FC236}">
-                <a16:creationId xmlns:a16="http://schemas.microsoft.com/office/drawing/2014/main" id="{228C63C9-F187-422F-A7A3-6D93036269A8}"/>
-              </a:ext>
-            </a:extLst>
-          </p:cNvPr>
-          <p:cNvSpPr>
-            <a:spLocks noGrp="1"/>
-          </p:cNvSpPr>
-          <p:nvPr>
-            <p:ph type="sldNum" sz="quarter" idx="12"/>
-          </p:nvPr>
-        </p:nvSpPr>
-        <p:spPr>
-          <a:xfrm>
-            <a:off x="11123295" y="6356350"/>
-            <a:ext cx="457200" cy="365125"/>
-          </a:xfrm>
-        </p:spPr>
-        <p:txBody>
-          <a:bodyPr anchor="ctr">
-            <a:normAutofit/>
-          </a:bodyPr>
-          <a:lstStyle/>
-          <a:p>
-            <a:pPr>
-              <a:spcAft>
-                <a:spcPts val="600"/>
-              </a:spcAft>
-            </a:pPr>
-            <a:fld id="{B5CEABB6-07DC-46E8-9B57-56EC44A396E5}" type="slidenum">
-              <a:rPr lang="en-US" smtClean="0"/>
-              <a:pPr>
-                <a:spcAft>
-                  <a:spcPts val="600"/>
-                </a:spcAft>
-              </a:pPr>
-              <a:t>6</a:t>
-            </a:fld>
-            <a:endParaRPr lang="en-US"/>
-          </a:p>
-        </p:txBody>
-      </p:sp>
-    </p:spTree>
-    <p:extLst>
-      <p:ext uri="{BB962C8B-B14F-4D97-AF65-F5344CB8AC3E}">
-        <p14:creationId xmlns:p14="http://schemas.microsoft.com/office/powerpoint/2010/main" val="2975157022"/>
-      </p:ext>
-    </p:extLst>
-  </p:cSld>
-  <p:clrMapOvr>
-    <a:masterClrMapping/>
-  </p:clrMapOvr>
-</p:sld>
-</file>
-
-<file path=ppt/slides/slide7.xml><?xml version="1.0" encoding="utf-8"?>
-<p:sld xmlns:a="http://schemas.openxmlformats.org/drawingml/2006/main" xmlns:r="http://schemas.openxmlformats.org/officeDocument/2006/relationships" xmlns:p="http://schemas.openxmlformats.org/presentationml/2006/main">
-  <p:cSld>
-    <p:spTree>
-      <p:nvGrpSpPr>
-        <p:cNvPr id="1" name=""/>
-        <p:cNvGrpSpPr/>
-        <p:nvPr/>
-      </p:nvGrpSpPr>
-      <p:grpSpPr>
-        <a:xfrm>
-          <a:off x="0" y="0"/>
-          <a:ext cx="0" cy="0"/>
-          <a:chOff x="0" y="0"/>
-          <a:chExt cx="0" cy="0"/>
-        </a:xfrm>
-      </p:grpSpPr>
-      <p:sp>
-        <p:nvSpPr>
-          <p:cNvPr id="20" name="Title 1">
-            <a:extLst>
-              <a:ext uri="{FF2B5EF4-FFF2-40B4-BE49-F238E27FC236}">
                 <a16:creationId xmlns:a16="http://schemas.microsoft.com/office/drawing/2014/main" id="{5393D7AD-0350-496F-8D48-A7BD34B5EA15}"/>
               </a:ext>
             </a:extLst>
@@ -52106,7 +51867,7 @@
                   <a:spcPts val="600"/>
                 </a:spcAft>
               </a:pPr>
-              <a:t>7</a:t>
+              <a:t>6</a:t>
             </a:fld>
             <a:endParaRPr lang="en-US"/>
           </a:p>
@@ -52116,6 +51877,259 @@
     <p:extLst>
       <p:ext uri="{BB962C8B-B14F-4D97-AF65-F5344CB8AC3E}">
         <p14:creationId xmlns:p14="http://schemas.microsoft.com/office/powerpoint/2010/main" val="3887798516"/>
+      </p:ext>
+    </p:extLst>
+  </p:cSld>
+  <p:clrMapOvr>
+    <a:masterClrMapping/>
+  </p:clrMapOvr>
+</p:sld>
+</file>
+
+<file path=ppt/slides/slide7.xml><?xml version="1.0" encoding="utf-8"?>
+<p:sld xmlns:a="http://schemas.openxmlformats.org/drawingml/2006/main" xmlns:r="http://schemas.openxmlformats.org/officeDocument/2006/relationships" xmlns:p="http://schemas.openxmlformats.org/presentationml/2006/main">
+  <p:cSld>
+    <p:spTree>
+      <p:nvGrpSpPr>
+        <p:cNvPr id="1" name=""/>
+        <p:cNvGrpSpPr/>
+        <p:nvPr/>
+      </p:nvGrpSpPr>
+      <p:grpSpPr>
+        <a:xfrm>
+          <a:off x="0" y="0"/>
+          <a:ext cx="0" cy="0"/>
+          <a:chOff x="0" y="0"/>
+          <a:chExt cx="0" cy="0"/>
+        </a:xfrm>
+      </p:grpSpPr>
+      <p:sp>
+        <p:nvSpPr>
+          <p:cNvPr id="3" name="Subtitle 2">
+            <a:extLst>
+              <a:ext uri="{FF2B5EF4-FFF2-40B4-BE49-F238E27FC236}">
+                <a16:creationId xmlns:a16="http://schemas.microsoft.com/office/drawing/2014/main" id="{35E3EA69-4E0E-41BD-8095-A124225A2647}"/>
+              </a:ext>
+            </a:extLst>
+          </p:cNvPr>
+          <p:cNvSpPr>
+            <a:spLocks noGrp="1"/>
+          </p:cNvSpPr>
+          <p:nvPr>
+            <p:ph type="body" sz="quarter" idx="13"/>
+          </p:nvPr>
+        </p:nvSpPr>
+        <p:spPr>
+          <a:xfrm>
+            <a:off x="4933949" y="2310817"/>
+            <a:ext cx="6400800" cy="3657600"/>
+          </a:xfrm>
+        </p:spPr>
+        <p:txBody>
+          <a:bodyPr>
+            <a:normAutofit/>
+          </a:bodyPr>
+          <a:lstStyle/>
+          <a:p>
+            <a:r>
+              <a:rPr lang="en-US" dirty="0"/>
+              <a:t>Main Data Source:</a:t>
+            </a:r>
+          </a:p>
+          <a:p>
+            <a:r>
+              <a:rPr lang="en-US" dirty="0">
+                <a:hlinkClick r:id="rId2"/>
+              </a:rPr>
+              <a:t>https://github.com/fivethirtyeight/data/tree/master/airline-safety</a:t>
+            </a:r>
+            <a:endParaRPr lang="en-US" dirty="0"/>
+          </a:p>
+          <a:p>
+            <a:endParaRPr lang="en-US" dirty="0"/>
+          </a:p>
+          <a:p>
+            <a:pPr algn="l"/>
+            <a:r>
+              <a:rPr lang="en-US" b="1" i="0" u="sng" dirty="0">
+                <a:effectLst/>
+                <a:latin typeface="Segoe UI" panose="020B0502040204020203" pitchFamily="34" charset="0"/>
+              </a:rPr>
+              <a:t>Supplemental Data Sources:</a:t>
+            </a:r>
+            <a:endParaRPr lang="en-US" b="0" i="0" dirty="0">
+              <a:effectLst/>
+              <a:latin typeface="Segoe UI" panose="020B0502040204020203" pitchFamily="34" charset="0"/>
+            </a:endParaRPr>
+          </a:p>
+          <a:p>
+            <a:pPr algn="l"/>
+            <a:r>
+              <a:rPr lang="en-US" b="0" i="0" dirty="0">
+                <a:effectLst/>
+                <a:latin typeface="Segoe UI" panose="020B0502040204020203" pitchFamily="34" charset="0"/>
+              </a:rPr>
+              <a:t>Motor Crashes - Downloaded from:</a:t>
+            </a:r>
+            <a:r>
+              <a:rPr lang="en-US" sz="1800" b="1" i="0" dirty="0">
+                <a:effectLst/>
+                <a:latin typeface="Segoe UI" panose="020B0502040204020203" pitchFamily="34" charset="0"/>
+              </a:rPr>
+              <a:t> </a:t>
+            </a:r>
+            <a:r>
+              <a:rPr lang="en-US" b="0" i="0" u="sng" dirty="0">
+                <a:effectLst/>
+                <a:latin typeface="Segoe UI" panose="020B0502040204020203" pitchFamily="34" charset="0"/>
+                <a:hlinkClick r:id="rId3" tooltip="https://www.iihs.org/topics/fatality-statistics"/>
+              </a:rPr>
+              <a:t>https://www.iihs.org/topics/fatality-statistics</a:t>
+            </a:r>
+            <a:endParaRPr lang="en-US" b="0" i="0" dirty="0">
+              <a:effectLst/>
+              <a:latin typeface="Segoe UI" panose="020B0502040204020203" pitchFamily="34" charset="0"/>
+            </a:endParaRPr>
+          </a:p>
+          <a:p>
+            <a:pPr algn="l"/>
+            <a:r>
+              <a:rPr lang="en-US" b="0" i="0" dirty="0">
+                <a:effectLst/>
+                <a:latin typeface="Segoe UI" panose="020B0502040204020203" pitchFamily="34" charset="0"/>
+              </a:rPr>
+              <a:t>U.S. Air Carrier Safety Data - Downloaded from:</a:t>
+            </a:r>
+            <a:r>
+              <a:rPr lang="en-US" sz="1800" b="1" i="0" dirty="0">
+                <a:effectLst/>
+                <a:latin typeface="Segoe UI" panose="020B0502040204020203" pitchFamily="34" charset="0"/>
+              </a:rPr>
+              <a:t> </a:t>
+            </a:r>
+            <a:r>
+              <a:rPr lang="en-US" b="0" i="0" u="sng" dirty="0">
+                <a:effectLst/>
+                <a:latin typeface="Segoe UI" panose="020B0502040204020203" pitchFamily="34" charset="0"/>
+                <a:hlinkClick r:id="rId4" tooltip="https://www.bts.gov/content/us-air-carrier-safety-data"/>
+              </a:rPr>
+              <a:t>https://www.bts.gov/content/us-air-carrier-safety-data</a:t>
+            </a:r>
+            <a:endParaRPr lang="en-US" b="0" i="0" dirty="0">
+              <a:effectLst/>
+              <a:latin typeface="Segoe UI" panose="020B0502040204020203" pitchFamily="34" charset="0"/>
+            </a:endParaRPr>
+          </a:p>
+          <a:p>
+            <a:endParaRPr lang="en-US" dirty="0"/>
+          </a:p>
+        </p:txBody>
+      </p:sp>
+      <p:sp>
+        <p:nvSpPr>
+          <p:cNvPr id="36" name="Date Placeholder 35">
+            <a:extLst>
+              <a:ext uri="{FF2B5EF4-FFF2-40B4-BE49-F238E27FC236}">
+                <a16:creationId xmlns:a16="http://schemas.microsoft.com/office/drawing/2014/main" id="{64D06C77-08BF-4ABC-8656-21CAB4DFD7FA}"/>
+              </a:ext>
+            </a:extLst>
+          </p:cNvPr>
+          <p:cNvSpPr>
+            <a:spLocks noGrp="1"/>
+          </p:cNvSpPr>
+          <p:nvPr>
+            <p:ph type="dt" sz="half" idx="10"/>
+          </p:nvPr>
+        </p:nvSpPr>
+        <p:spPr>
+          <a:xfrm>
+            <a:off x="4937760" y="6353175"/>
+            <a:ext cx="1097280" cy="365125"/>
+          </a:xfrm>
+        </p:spPr>
+        <p:txBody>
+          <a:bodyPr/>
+          <a:lstStyle/>
+          <a:p>
+            <a:r>
+              <a:rPr lang="en-US" dirty="0"/>
+              <a:t>2021</a:t>
+            </a:r>
+          </a:p>
+        </p:txBody>
+      </p:sp>
+      <p:sp>
+        <p:nvSpPr>
+          <p:cNvPr id="37" name="Footer Placeholder 36">
+            <a:extLst>
+              <a:ext uri="{FF2B5EF4-FFF2-40B4-BE49-F238E27FC236}">
+                <a16:creationId xmlns:a16="http://schemas.microsoft.com/office/drawing/2014/main" id="{5FA84566-6373-4E7B-AA6F-CA6C7346EC47}"/>
+              </a:ext>
+            </a:extLst>
+          </p:cNvPr>
+          <p:cNvSpPr>
+            <a:spLocks noGrp="1"/>
+          </p:cNvSpPr>
+          <p:nvPr>
+            <p:ph type="ftr" sz="quarter" idx="11"/>
+          </p:nvPr>
+        </p:nvSpPr>
+        <p:spPr>
+          <a:xfrm>
+            <a:off x="7436167" y="6350000"/>
+            <a:ext cx="2286000" cy="365125"/>
+          </a:xfrm>
+        </p:spPr>
+        <p:txBody>
+          <a:bodyPr/>
+          <a:lstStyle/>
+          <a:p>
+            <a:r>
+              <a:rPr lang="en-US" dirty="0"/>
+              <a:t>Executive Summary</a:t>
+            </a:r>
+          </a:p>
+        </p:txBody>
+      </p:sp>
+      <p:sp>
+        <p:nvSpPr>
+          <p:cNvPr id="38" name="Slide Number Placeholder 37">
+            <a:extLst>
+              <a:ext uri="{FF2B5EF4-FFF2-40B4-BE49-F238E27FC236}">
+                <a16:creationId xmlns:a16="http://schemas.microsoft.com/office/drawing/2014/main" id="{198D92D2-0F62-443D-BB2D-F4E23724D76F}"/>
+              </a:ext>
+            </a:extLst>
+          </p:cNvPr>
+          <p:cNvSpPr>
+            <a:spLocks noGrp="1"/>
+          </p:cNvSpPr>
+          <p:nvPr>
+            <p:ph type="sldNum" sz="quarter" idx="12"/>
+          </p:nvPr>
+        </p:nvSpPr>
+        <p:spPr>
+          <a:xfrm>
+            <a:off x="11123295" y="6356350"/>
+            <a:ext cx="457200" cy="365125"/>
+          </a:xfrm>
+        </p:spPr>
+        <p:txBody>
+          <a:bodyPr/>
+          <a:lstStyle/>
+          <a:p>
+            <a:fld id="{B5CEABB6-07DC-46E8-9B57-56EC44A396E5}" type="slidenum">
+              <a:rPr lang="en-US" smtClean="0"/>
+              <a:pPr/>
+              <a:t>7</a:t>
+            </a:fld>
+            <a:endParaRPr lang="en-US" dirty="0"/>
+          </a:p>
+        </p:txBody>
+      </p:sp>
+    </p:spTree>
+    <p:extLst>
+      <p:ext uri="{BB962C8B-B14F-4D97-AF65-F5344CB8AC3E}">
+        <p14:creationId xmlns:p14="http://schemas.microsoft.com/office/powerpoint/2010/main" val="2243494996"/>
       </p:ext>
     </p:extLst>
   </p:cSld>
@@ -52980,12 +52994,22 @@
 </file>
 
 <file path=customXml/item1.xml><?xml version="1.0" encoding="utf-8"?>
-<?mso-contentType ?>
-<FormTemplates xmlns="http://schemas.microsoft.com/sharepoint/v3/contenttype/forms">
-  <Display>DocumentLibraryForm</Display>
-  <Edit>DocumentLibraryForm</Edit>
-  <New>DocumentLibraryForm</New>
-</FormTemplates>
+<p:properties xmlns:p="http://schemas.microsoft.com/office/2006/metadata/properties" xmlns:xsi="http://www.w3.org/2001/XMLSchema-instance" xmlns:pc="http://schemas.microsoft.com/office/infopath/2007/PartnerControls">
+  <documentManagement>
+    <_ip_UnifiedCompliancePolicyUIAction xmlns="http://schemas.microsoft.com/sharepoint/v3" xsi:nil="true"/>
+    <Image xmlns="71af3243-3dd4-4a8d-8c0d-dd76da1f02a5">
+      <Url xsi:nil="true"/>
+      <Description xsi:nil="true"/>
+    </Image>
+    <Status xmlns="71af3243-3dd4-4a8d-8c0d-dd76da1f02a5">Not started</Status>
+    <_ip_UnifiedCompliancePolicyProperties xmlns="http://schemas.microsoft.com/sharepoint/v3" xsi:nil="true"/>
+    <ImageTagsTaxHTField xmlns="71af3243-3dd4-4a8d-8c0d-dd76da1f02a5">
+      <Terms xmlns="http://schemas.microsoft.com/office/infopath/2007/PartnerControls"/>
+    </ImageTagsTaxHTField>
+    <TaxCatchAll xmlns="230e9df3-be65-4c73-a93b-d1236ebd677e"/>
+    <MediaServiceKeyPoints xmlns="71af3243-3dd4-4a8d-8c0d-dd76da1f02a5" xsi:nil="true"/>
+  </documentManagement>
+</p:properties>
 </file>
 
 <file path=customXml/item2.xml><?xml version="1.0" encoding="utf-8"?>
@@ -53265,28 +53289,22 @@
 </file>
 
 <file path=customXml/item3.xml><?xml version="1.0" encoding="utf-8"?>
-<p:properties xmlns:p="http://schemas.microsoft.com/office/2006/metadata/properties" xmlns:xsi="http://www.w3.org/2001/XMLSchema-instance" xmlns:pc="http://schemas.microsoft.com/office/infopath/2007/PartnerControls">
-  <documentManagement>
-    <_ip_UnifiedCompliancePolicyUIAction xmlns="http://schemas.microsoft.com/sharepoint/v3" xsi:nil="true"/>
-    <Image xmlns="71af3243-3dd4-4a8d-8c0d-dd76da1f02a5">
-      <Url xsi:nil="true"/>
-      <Description xsi:nil="true"/>
-    </Image>
-    <Status xmlns="71af3243-3dd4-4a8d-8c0d-dd76da1f02a5">Not started</Status>
-    <_ip_UnifiedCompliancePolicyProperties xmlns="http://schemas.microsoft.com/sharepoint/v3" xsi:nil="true"/>
-    <ImageTagsTaxHTField xmlns="71af3243-3dd4-4a8d-8c0d-dd76da1f02a5">
-      <Terms xmlns="http://schemas.microsoft.com/office/infopath/2007/PartnerControls"/>
-    </ImageTagsTaxHTField>
-    <TaxCatchAll xmlns="230e9df3-be65-4c73-a93b-d1236ebd677e"/>
-    <MediaServiceKeyPoints xmlns="71af3243-3dd4-4a8d-8c0d-dd76da1f02a5" xsi:nil="true"/>
-  </documentManagement>
-</p:properties>
+<?mso-contentType ?>
+<FormTemplates xmlns="http://schemas.microsoft.com/sharepoint/v3/contenttype/forms">
+  <Display>DocumentLibraryForm</Display>
+  <Edit>DocumentLibraryForm</Edit>
+  <New>DocumentLibraryForm</New>
+</FormTemplates>
 </file>
 
 <file path=customXml/itemProps1.xml><?xml version="1.0" encoding="utf-8"?>
-<ds:datastoreItem xmlns:ds="http://schemas.openxmlformats.org/officeDocument/2006/customXml" ds:itemID="{66D1D862-643C-46A1-A5ED-679CEB6DE28E}">
+<ds:datastoreItem xmlns:ds="http://schemas.openxmlformats.org/officeDocument/2006/customXml" ds:itemID="{854F7209-A407-4CFB-9C3E-C69AB93152F3}">
   <ds:schemaRefs>
-    <ds:schemaRef ds:uri="http://schemas.microsoft.com/sharepoint/v3/contenttype/forms"/>
+    <ds:schemaRef ds:uri="http://schemas.microsoft.com/office/2006/metadata/properties"/>
+    <ds:schemaRef ds:uri="http://schemas.microsoft.com/office/infopath/2007/PartnerControls"/>
+    <ds:schemaRef ds:uri="http://schemas.microsoft.com/sharepoint/v3"/>
+    <ds:schemaRef ds:uri="71af3243-3dd4-4a8d-8c0d-dd76da1f02a5"/>
+    <ds:schemaRef ds:uri="230e9df3-be65-4c73-a93b-d1236ebd677e"/>
   </ds:schemaRefs>
 </ds:datastoreItem>
 </file>
@@ -53313,13 +53331,9 @@
 </file>
 
 <file path=customXml/itemProps3.xml><?xml version="1.0" encoding="utf-8"?>
-<ds:datastoreItem xmlns:ds="http://schemas.openxmlformats.org/officeDocument/2006/customXml" ds:itemID="{854F7209-A407-4CFB-9C3E-C69AB93152F3}">
+<ds:datastoreItem xmlns:ds="http://schemas.openxmlformats.org/officeDocument/2006/customXml" ds:itemID="{66D1D862-643C-46A1-A5ED-679CEB6DE28E}">
   <ds:schemaRefs>
-    <ds:schemaRef ds:uri="http://schemas.microsoft.com/office/2006/metadata/properties"/>
-    <ds:schemaRef ds:uri="http://schemas.microsoft.com/office/infopath/2007/PartnerControls"/>
-    <ds:schemaRef ds:uri="http://schemas.microsoft.com/sharepoint/v3"/>
-    <ds:schemaRef ds:uri="71af3243-3dd4-4a8d-8c0d-dd76da1f02a5"/>
-    <ds:schemaRef ds:uri="230e9df3-be65-4c73-a93b-d1236ebd677e"/>
+    <ds:schemaRef ds:uri="http://schemas.microsoft.com/sharepoint/v3/contenttype/forms"/>
   </ds:schemaRefs>
 </ds:datastoreItem>
 </file>
--- a/term_project/Executive Summary.pptx
+++ b/term_project/Executive Summary.pptx
@@ -50932,7 +50932,7 @@
         </p:nvSpPr>
         <p:spPr>
           <a:xfrm>
-            <a:off x="315310" y="310806"/>
+            <a:off x="315310" y="268198"/>
             <a:ext cx="4959382" cy="369332"/>
           </a:xfrm>
           <a:prstGeom prst="rect">
@@ -51440,6 +51440,106 @@
           </a:p>
         </p:txBody>
       </p:sp>
+      <p:pic>
+        <p:nvPicPr>
+          <p:cNvPr id="3" name="Picture 2">
+            <a:extLst>
+              <a:ext uri="{FF2B5EF4-FFF2-40B4-BE49-F238E27FC236}">
+                <a16:creationId xmlns:a16="http://schemas.microsoft.com/office/drawing/2014/main" id="{22542610-0D30-49F8-8EC9-EED9E99E087D}"/>
+              </a:ext>
+            </a:extLst>
+          </p:cNvPr>
+          <p:cNvPicPr>
+            <a:picLocks noChangeAspect="1"/>
+          </p:cNvPicPr>
+          <p:nvPr/>
+        </p:nvPicPr>
+        <p:blipFill>
+          <a:blip r:embed="rId2"/>
+          <a:stretch>
+            <a:fillRect/>
+          </a:stretch>
+        </p:blipFill>
+        <p:spPr>
+          <a:xfrm>
+            <a:off x="82902" y="779267"/>
+            <a:ext cx="9281816" cy="5577083"/>
+          </a:xfrm>
+          <a:prstGeom prst="rect">
+            <a:avLst/>
+          </a:prstGeom>
+        </p:spPr>
+      </p:pic>
+      <p:sp>
+        <p:nvSpPr>
+          <p:cNvPr id="11" name="TextBox 10">
+            <a:extLst>
+              <a:ext uri="{FF2B5EF4-FFF2-40B4-BE49-F238E27FC236}">
+                <a16:creationId xmlns:a16="http://schemas.microsoft.com/office/drawing/2014/main" id="{57E53FEF-B00F-4D3D-B1C4-B8FCBFFA30BD}"/>
+              </a:ext>
+            </a:extLst>
+          </p:cNvPr>
+          <p:cNvSpPr txBox="1"/>
+          <p:nvPr/>
+        </p:nvSpPr>
+        <p:spPr>
+          <a:xfrm>
+            <a:off x="130629" y="232651"/>
+            <a:ext cx="3259163" cy="369332"/>
+          </a:xfrm>
+          <a:prstGeom prst="rect">
+            <a:avLst/>
+          </a:prstGeom>
+          <a:noFill/>
+        </p:spPr>
+        <p:txBody>
+          <a:bodyPr wrap="square" rtlCol="0">
+            <a:spAutoFit/>
+          </a:bodyPr>
+          <a:lstStyle/>
+          <a:p>
+            <a:r>
+              <a:rPr lang="en-US" dirty="0"/>
+              <a:t>Fatality Count by Airlines </a:t>
+            </a:r>
+          </a:p>
+        </p:txBody>
+      </p:sp>
+      <p:sp>
+        <p:nvSpPr>
+          <p:cNvPr id="9" name="TextBox 8">
+            <a:extLst>
+              <a:ext uri="{FF2B5EF4-FFF2-40B4-BE49-F238E27FC236}">
+                <a16:creationId xmlns:a16="http://schemas.microsoft.com/office/drawing/2014/main" id="{B36A3267-1CD2-465A-8029-487B266E0154}"/>
+              </a:ext>
+            </a:extLst>
+          </p:cNvPr>
+          <p:cNvSpPr txBox="1"/>
+          <p:nvPr/>
+        </p:nvSpPr>
+        <p:spPr>
+          <a:xfrm>
+            <a:off x="9743090" y="1243224"/>
+            <a:ext cx="2108075" cy="1477328"/>
+          </a:xfrm>
+          <a:prstGeom prst="rect">
+            <a:avLst/>
+          </a:prstGeom>
+          <a:noFill/>
+        </p:spPr>
+        <p:txBody>
+          <a:bodyPr wrap="square" rtlCol="0">
+            <a:spAutoFit/>
+          </a:bodyPr>
+          <a:lstStyle/>
+          <a:p>
+            <a:r>
+              <a:rPr lang="en-US" dirty="0"/>
+              <a:t>Fatality count by airlines also shows how the count is coming down in the next 15 years</a:t>
+            </a:r>
+          </a:p>
+        </p:txBody>
+      </p:sp>
     </p:spTree>
     <p:extLst>
       <p:ext uri="{BB962C8B-B14F-4D97-AF65-F5344CB8AC3E}">
@@ -51472,67 +51572,6 @@
       </p:grpSpPr>
       <p:sp>
         <p:nvSpPr>
-          <p:cNvPr id="22" name="Title 1">
-            <a:extLst>
-              <a:ext uri="{FF2B5EF4-FFF2-40B4-BE49-F238E27FC236}">
-                <a16:creationId xmlns:a16="http://schemas.microsoft.com/office/drawing/2014/main" id="{3FA43674-2F92-4E9F-BF7F-5D133FE7895A}"/>
-              </a:ext>
-            </a:extLst>
-          </p:cNvPr>
-          <p:cNvSpPr>
-            <a:spLocks noGrp="1"/>
-          </p:cNvSpPr>
-          <p:nvPr>
-            <p:ph type="title"/>
-          </p:nvPr>
-        </p:nvSpPr>
-        <p:spPr>
-          <a:xfrm>
-            <a:off x="914400" y="896112"/>
-            <a:ext cx="10515600" cy="1325563"/>
-          </a:xfrm>
-        </p:spPr>
-        <p:txBody>
-          <a:bodyPr/>
-          <a:lstStyle/>
-          <a:p>
-            <a:endParaRPr lang="en-US"/>
-          </a:p>
-        </p:txBody>
-      </p:sp>
-      <p:pic>
-        <p:nvPicPr>
-          <p:cNvPr id="17" name="Picture 16">
-            <a:extLst>
-              <a:ext uri="{FF2B5EF4-FFF2-40B4-BE49-F238E27FC236}">
-                <a16:creationId xmlns:a16="http://schemas.microsoft.com/office/drawing/2014/main" id="{9362FD35-7BAD-4133-A4F1-FBE55108B60B}"/>
-              </a:ext>
-            </a:extLst>
-          </p:cNvPr>
-          <p:cNvPicPr>
-            <a:picLocks noChangeAspect="1"/>
-          </p:cNvPicPr>
-          <p:nvPr/>
-        </p:nvPicPr>
-        <p:blipFill>
-          <a:blip r:embed="rId2"/>
-          <a:stretch>
-            <a:fillRect/>
-          </a:stretch>
-        </p:blipFill>
-        <p:spPr>
-          <a:xfrm>
-            <a:off x="3480591" y="1825625"/>
-            <a:ext cx="5596577" cy="4351338"/>
-          </a:xfrm>
-          <a:prstGeom prst="rect">
-            <a:avLst/>
-          </a:prstGeom>
-          <a:noFill/>
-        </p:spPr>
-      </p:pic>
-      <p:sp>
-        <p:nvSpPr>
           <p:cNvPr id="11" name="Date Placeholder 10">
             <a:extLst>
               <a:ext uri="{FF2B5EF4-FFF2-40B4-BE49-F238E27FC236}">
@@ -51550,7 +51589,7 @@
         <p:spPr>
           <a:xfrm>
             <a:off x="914400" y="6353175"/>
-            <a:ext cx="1097280" cy="365125"/>
+            <a:ext cx="558550" cy="365125"/>
           </a:xfrm>
         </p:spPr>
         <p:txBody>
@@ -51565,8 +51604,8 @@
               </a:spcAft>
             </a:pPr>
             <a:r>
-              <a:rPr lang="en-US"/>
-              <a:t>20XX</a:t>
+              <a:rPr lang="en-US" dirty="0"/>
+              <a:t>2021</a:t>
             </a:r>
           </a:p>
         </p:txBody>
@@ -51605,8 +51644,8 @@
               </a:spcAft>
             </a:pPr>
             <a:r>
-              <a:rPr lang="en-US"/>
-              <a:t>Pitch deck title</a:t>
+              <a:rPr lang="en-US" dirty="0"/>
+              <a:t>Executive Summary</a:t>
             </a:r>
           </a:p>
         </p:txBody>
@@ -51657,6 +51696,138 @@
           </a:p>
         </p:txBody>
       </p:sp>
+      <p:sp>
+        <p:nvSpPr>
+          <p:cNvPr id="7" name="TextBox 6">
+            <a:extLst>
+              <a:ext uri="{FF2B5EF4-FFF2-40B4-BE49-F238E27FC236}">
+                <a16:creationId xmlns:a16="http://schemas.microsoft.com/office/drawing/2014/main" id="{9BE7A8B1-A238-46AF-ABCE-C213CEC52C19}"/>
+              </a:ext>
+            </a:extLst>
+          </p:cNvPr>
+          <p:cNvSpPr txBox="1"/>
+          <p:nvPr/>
+        </p:nvSpPr>
+        <p:spPr>
+          <a:xfrm>
+            <a:off x="9716063" y="1644234"/>
+            <a:ext cx="2283748" cy="3046988"/>
+          </a:xfrm>
+          <a:prstGeom prst="rect">
+            <a:avLst/>
+          </a:prstGeom>
+          <a:noFill/>
+        </p:spPr>
+        <p:txBody>
+          <a:bodyPr wrap="square" rtlCol="0">
+            <a:spAutoFit/>
+          </a:bodyPr>
+          <a:lstStyle/>
+          <a:p>
+            <a:pPr marL="285750" indent="-285750">
+              <a:buFont typeface="Arial" panose="020B0604020202020204" pitchFamily="34" charset="0"/>
+              <a:buChar char="•"/>
+            </a:pPr>
+            <a:r>
+              <a:rPr lang="en-US" sz="1600" dirty="0"/>
+              <a:t>For each of the airlines fatality count decreased from the first 15 years to the next</a:t>
+            </a:r>
+          </a:p>
+          <a:p>
+            <a:pPr marL="285750" indent="-285750">
+              <a:buFont typeface="Arial" panose="020B0604020202020204" pitchFamily="34" charset="0"/>
+              <a:buChar char="•"/>
+            </a:pPr>
+            <a:r>
+              <a:rPr lang="en-US" sz="1600" dirty="0"/>
+              <a:t>However, </a:t>
+            </a:r>
+            <a:r>
+              <a:rPr lang="en-US" sz="1600" dirty="0" err="1"/>
+              <a:t>Malaysian,American</a:t>
+            </a:r>
+            <a:r>
+              <a:rPr lang="en-US" sz="1600" dirty="0"/>
+              <a:t> and Air France are exceptions unfortunately</a:t>
+            </a:r>
+          </a:p>
+          <a:p>
+            <a:pPr marL="285750" indent="-285750">
+              <a:buFont typeface="Arial" panose="020B0604020202020204" pitchFamily="34" charset="0"/>
+              <a:buChar char="•"/>
+            </a:pPr>
+            <a:r>
+              <a:rPr lang="en-US" sz="1600" dirty="0"/>
+              <a:t>Overall flight safety has improved a lot</a:t>
+            </a:r>
+          </a:p>
+        </p:txBody>
+      </p:sp>
+      <p:pic>
+        <p:nvPicPr>
+          <p:cNvPr id="3" name="Picture 2">
+            <a:extLst>
+              <a:ext uri="{FF2B5EF4-FFF2-40B4-BE49-F238E27FC236}">
+                <a16:creationId xmlns:a16="http://schemas.microsoft.com/office/drawing/2014/main" id="{302E0478-BB09-4CFE-99EE-43EB62C878D9}"/>
+              </a:ext>
+            </a:extLst>
+          </p:cNvPr>
+          <p:cNvPicPr>
+            <a:picLocks noChangeAspect="1"/>
+          </p:cNvPicPr>
+          <p:nvPr/>
+        </p:nvPicPr>
+        <p:blipFill>
+          <a:blip r:embed="rId2"/>
+          <a:stretch>
+            <a:fillRect/>
+          </a:stretch>
+        </p:blipFill>
+        <p:spPr>
+          <a:xfrm>
+            <a:off x="136835" y="1292773"/>
+            <a:ext cx="9359812" cy="5011182"/>
+          </a:xfrm>
+          <a:prstGeom prst="rect">
+            <a:avLst/>
+          </a:prstGeom>
+        </p:spPr>
+      </p:pic>
+      <p:sp>
+        <p:nvSpPr>
+          <p:cNvPr id="10" name="TextBox 9">
+            <a:extLst>
+              <a:ext uri="{FF2B5EF4-FFF2-40B4-BE49-F238E27FC236}">
+                <a16:creationId xmlns:a16="http://schemas.microsoft.com/office/drawing/2014/main" id="{3B1C7FFB-CB16-4078-84E8-62197952AA48}"/>
+              </a:ext>
+            </a:extLst>
+          </p:cNvPr>
+          <p:cNvSpPr txBox="1"/>
+          <p:nvPr/>
+        </p:nvSpPr>
+        <p:spPr>
+          <a:xfrm>
+            <a:off x="315310" y="281712"/>
+            <a:ext cx="4959382" cy="369332"/>
+          </a:xfrm>
+          <a:prstGeom prst="rect">
+            <a:avLst/>
+          </a:prstGeom>
+          <a:noFill/>
+        </p:spPr>
+        <p:txBody>
+          <a:bodyPr wrap="square" rtlCol="0">
+            <a:spAutoFit/>
+          </a:bodyPr>
+          <a:lstStyle/>
+          <a:p>
+            <a:r>
+              <a:rPr lang="en-US" dirty="0"/>
+              <a:t>Reduced Fatalities by Airlines</a:t>
+            </a:r>
+          </a:p>
+        </p:txBody>
+      </p:sp>
     </p:spTree>
     <p:extLst>
       <p:ext uri="{BB962C8B-B14F-4D97-AF65-F5344CB8AC3E}">
@@ -51687,66 +51858,6 @@
           <a:chExt cx="0" cy="0"/>
         </a:xfrm>
       </p:grpSpPr>
-      <p:sp>
-        <p:nvSpPr>
-          <p:cNvPr id="20" name="Title 1">
-            <a:extLst>
-              <a:ext uri="{FF2B5EF4-FFF2-40B4-BE49-F238E27FC236}">
-                <a16:creationId xmlns:a16="http://schemas.microsoft.com/office/drawing/2014/main" id="{5393D7AD-0350-496F-8D48-A7BD34B5EA15}"/>
-              </a:ext>
-            </a:extLst>
-          </p:cNvPr>
-          <p:cNvSpPr>
-            <a:spLocks noGrp="1"/>
-          </p:cNvSpPr>
-          <p:nvPr>
-            <p:ph type="title"/>
-          </p:nvPr>
-        </p:nvSpPr>
-        <p:spPr>
-          <a:xfrm>
-            <a:off x="914400" y="896112"/>
-            <a:ext cx="10515600" cy="1325563"/>
-          </a:xfrm>
-        </p:spPr>
-        <p:txBody>
-          <a:bodyPr/>
-          <a:lstStyle/>
-          <a:p>
-            <a:endParaRPr lang="en-US"/>
-          </a:p>
-        </p:txBody>
-      </p:sp>
-      <p:pic>
-        <p:nvPicPr>
-          <p:cNvPr id="15" name="Picture 14">
-            <a:extLst>
-              <a:ext uri="{FF2B5EF4-FFF2-40B4-BE49-F238E27FC236}">
-                <a16:creationId xmlns:a16="http://schemas.microsoft.com/office/drawing/2014/main" id="{3141F880-3CDF-4321-A233-8BE62E221769}"/>
-              </a:ext>
-            </a:extLst>
-          </p:cNvPr>
-          <p:cNvPicPr>
-            <a:picLocks noChangeAspect="1"/>
-          </p:cNvPicPr>
-          <p:nvPr/>
-        </p:nvPicPr>
-        <p:blipFill rotWithShape="1">
-          <a:blip r:embed="rId2"/>
-          <a:srcRect t="7382" b="28957"/>
-          <a:stretch/>
-        </p:blipFill>
-        <p:spPr>
-          <a:xfrm>
-            <a:off x="1021080" y="1825625"/>
-            <a:ext cx="10515600" cy="4351338"/>
-          </a:xfrm>
-          <a:prstGeom prst="rect">
-            <a:avLst/>
-          </a:prstGeom>
-          <a:noFill/>
-        </p:spPr>
-      </p:pic>
       <p:sp>
         <p:nvSpPr>
           <p:cNvPr id="11" name="Date Placeholder 10">
@@ -51781,8 +51892,8 @@
               </a:spcAft>
             </a:pPr>
             <a:r>
-              <a:rPr lang="en-US"/>
-              <a:t>20XX</a:t>
+              <a:rPr lang="en-US" dirty="0"/>
+              <a:t>2021</a:t>
             </a:r>
           </a:p>
         </p:txBody>
@@ -51821,8 +51932,8 @@
               </a:spcAft>
             </a:pPr>
             <a:r>
-              <a:rPr lang="en-US"/>
-              <a:t>Pitch deck title</a:t>
+              <a:rPr lang="en-US" dirty="0"/>
+              <a:t>Executive Summary</a:t>
             </a:r>
           </a:p>
         </p:txBody>
@@ -51870,6 +51981,120 @@
               <a:t>6</a:t>
             </a:fld>
             <a:endParaRPr lang="en-US"/>
+          </a:p>
+        </p:txBody>
+      </p:sp>
+      <p:pic>
+        <p:nvPicPr>
+          <p:cNvPr id="3" name="Picture 2">
+            <a:extLst>
+              <a:ext uri="{FF2B5EF4-FFF2-40B4-BE49-F238E27FC236}">
+                <a16:creationId xmlns:a16="http://schemas.microsoft.com/office/drawing/2014/main" id="{65121553-D792-4588-9A68-3470BCC7F95B}"/>
+              </a:ext>
+            </a:extLst>
+          </p:cNvPr>
+          <p:cNvPicPr>
+            <a:picLocks noChangeAspect="1"/>
+          </p:cNvPicPr>
+          <p:nvPr/>
+        </p:nvPicPr>
+        <p:blipFill>
+          <a:blip r:embed="rId2"/>
+          <a:stretch>
+            <a:fillRect/>
+          </a:stretch>
+        </p:blipFill>
+        <p:spPr>
+          <a:xfrm>
+            <a:off x="62040" y="1327150"/>
+            <a:ext cx="10185068" cy="5029200"/>
+          </a:xfrm>
+          <a:prstGeom prst="rect">
+            <a:avLst/>
+          </a:prstGeom>
+        </p:spPr>
+      </p:pic>
+      <p:sp>
+        <p:nvSpPr>
+          <p:cNvPr id="9" name="TextBox 8">
+            <a:extLst>
+              <a:ext uri="{FF2B5EF4-FFF2-40B4-BE49-F238E27FC236}">
+                <a16:creationId xmlns:a16="http://schemas.microsoft.com/office/drawing/2014/main" id="{25251D76-3509-428D-85D2-CA5230906D30}"/>
+              </a:ext>
+            </a:extLst>
+          </p:cNvPr>
+          <p:cNvSpPr txBox="1"/>
+          <p:nvPr/>
+        </p:nvSpPr>
+        <p:spPr>
+          <a:xfrm>
+            <a:off x="315310" y="268198"/>
+            <a:ext cx="4959382" cy="369332"/>
+          </a:xfrm>
+          <a:prstGeom prst="rect">
+            <a:avLst/>
+          </a:prstGeom>
+          <a:noFill/>
+        </p:spPr>
+        <p:txBody>
+          <a:bodyPr wrap="square" rtlCol="0">
+            <a:spAutoFit/>
+          </a:bodyPr>
+          <a:lstStyle/>
+          <a:p>
+            <a:r>
+              <a:rPr lang="en-US" dirty="0"/>
+              <a:t>Fatalities by Various Land Based Vehicles</a:t>
+            </a:r>
+          </a:p>
+        </p:txBody>
+      </p:sp>
+      <p:sp>
+        <p:nvSpPr>
+          <p:cNvPr id="4" name="TextBox 3">
+            <a:extLst>
+              <a:ext uri="{FF2B5EF4-FFF2-40B4-BE49-F238E27FC236}">
+                <a16:creationId xmlns:a16="http://schemas.microsoft.com/office/drawing/2014/main" id="{3E57ED2E-1086-49A0-8BB4-649EA9DEA3BA}"/>
+              </a:ext>
+            </a:extLst>
+          </p:cNvPr>
+          <p:cNvSpPr txBox="1"/>
+          <p:nvPr/>
+        </p:nvSpPr>
+        <p:spPr>
+          <a:xfrm>
+            <a:off x="10427764" y="1527003"/>
+            <a:ext cx="1594569" cy="2862322"/>
+          </a:xfrm>
+          <a:prstGeom prst="rect">
+            <a:avLst/>
+          </a:prstGeom>
+          <a:noFill/>
+        </p:spPr>
+        <p:txBody>
+          <a:bodyPr wrap="square" rtlCol="0">
+            <a:spAutoFit/>
+          </a:bodyPr>
+          <a:lstStyle/>
+          <a:p>
+            <a:pPr marL="285750" indent="-285750">
+              <a:buFont typeface="Arial" panose="020B0604020202020204" pitchFamily="34" charset="0"/>
+              <a:buChar char="•"/>
+            </a:pPr>
+            <a:r>
+              <a:rPr lang="en-US" dirty="0"/>
+              <a:t>Trend is from 1994 to 2019</a:t>
+            </a:r>
+          </a:p>
+          <a:p>
+            <a:pPr marL="285750" indent="-285750">
+              <a:buFont typeface="Arial" panose="020B0604020202020204" pitchFamily="34" charset="0"/>
+              <a:buChar char="•"/>
+            </a:pPr>
+            <a:r>
+              <a:rPr lang="en-US" dirty="0"/>
+              <a:t>But the count is much higher than airlines fatality</a:t>
+            </a:r>
           </a:p>
         </p:txBody>
       </p:sp>
@@ -52123,6 +52348,41 @@
               <a:t>7</a:t>
             </a:fld>
             <a:endParaRPr lang="en-US" dirty="0"/>
+          </a:p>
+        </p:txBody>
+      </p:sp>
+      <p:sp>
+        <p:nvSpPr>
+          <p:cNvPr id="9" name="TextBox 8">
+            <a:extLst>
+              <a:ext uri="{FF2B5EF4-FFF2-40B4-BE49-F238E27FC236}">
+                <a16:creationId xmlns:a16="http://schemas.microsoft.com/office/drawing/2014/main" id="{736ECECC-DC71-4298-B2B0-BF2DBDBD20CC}"/>
+              </a:ext>
+            </a:extLst>
+          </p:cNvPr>
+          <p:cNvSpPr txBox="1"/>
+          <p:nvPr/>
+        </p:nvSpPr>
+        <p:spPr>
+          <a:xfrm>
+            <a:off x="3100098" y="281712"/>
+            <a:ext cx="4959382" cy="369332"/>
+          </a:xfrm>
+          <a:prstGeom prst="rect">
+            <a:avLst/>
+          </a:prstGeom>
+          <a:noFill/>
+        </p:spPr>
+        <p:txBody>
+          <a:bodyPr wrap="square" rtlCol="0">
+            <a:spAutoFit/>
+          </a:bodyPr>
+          <a:lstStyle/>
+          <a:p>
+            <a:r>
+              <a:rPr lang="en-US" dirty="0"/>
+              <a:t>References and Links</a:t>
+            </a:r>
           </a:p>
         </p:txBody>
       </p:sp>
